--- a/Pitch_Presi/Make Programming Sexy.pptx
+++ b/Pitch_Presi/Make Programming Sexy.pptx
@@ -107,6 +107,11 @@
       </a:defRPr>
     </a:lvl9pPr>
   </p:defaultTextStyle>
+  <p:extLst>
+    <p:ext uri="{EFAFB233-063F-42B5-8137-9DF3F51BA10A}">
+      <p15:sldGuideLst xmlns:p15="http://schemas.microsoft.com/office/powerpoint/2012/main"/>
+    </p:ext>
+  </p:extLst>
 </p:presentation>
 </file>
 
@@ -259,7 +264,7 @@
           <a:p>
             <a:fld id="{36E7A62E-909C-4F06-9250-BC95460A9284}" type="datetimeFigureOut">
               <a:rPr lang="de-CH" smtClean="0"/>
-              <a:t>29.09.2019</a:t>
+              <a:t>29.09.19</a:t>
             </a:fld>
             <a:endParaRPr lang="de-CH"/>
           </a:p>
@@ -459,7 +464,7 @@
           <a:p>
             <a:fld id="{36E7A62E-909C-4F06-9250-BC95460A9284}" type="datetimeFigureOut">
               <a:rPr lang="de-CH" smtClean="0"/>
-              <a:t>29.09.2019</a:t>
+              <a:t>29.09.19</a:t>
             </a:fld>
             <a:endParaRPr lang="de-CH"/>
           </a:p>
@@ -669,7 +674,7 @@
           <a:p>
             <a:fld id="{36E7A62E-909C-4F06-9250-BC95460A9284}" type="datetimeFigureOut">
               <a:rPr lang="de-CH" smtClean="0"/>
-              <a:t>29.09.2019</a:t>
+              <a:t>29.09.19</a:t>
             </a:fld>
             <a:endParaRPr lang="de-CH"/>
           </a:p>
@@ -869,7 +874,7 @@
           <a:p>
             <a:fld id="{36E7A62E-909C-4F06-9250-BC95460A9284}" type="datetimeFigureOut">
               <a:rPr lang="de-CH" smtClean="0"/>
-              <a:t>29.09.2019</a:t>
+              <a:t>29.09.19</a:t>
             </a:fld>
             <a:endParaRPr lang="de-CH"/>
           </a:p>
@@ -1145,7 +1150,7 @@
           <a:p>
             <a:fld id="{36E7A62E-909C-4F06-9250-BC95460A9284}" type="datetimeFigureOut">
               <a:rPr lang="de-CH" smtClean="0"/>
-              <a:t>29.09.2019</a:t>
+              <a:t>29.09.19</a:t>
             </a:fld>
             <a:endParaRPr lang="de-CH"/>
           </a:p>
@@ -1413,7 +1418,7 @@
           <a:p>
             <a:fld id="{36E7A62E-909C-4F06-9250-BC95460A9284}" type="datetimeFigureOut">
               <a:rPr lang="de-CH" smtClean="0"/>
-              <a:t>29.09.2019</a:t>
+              <a:t>29.09.19</a:t>
             </a:fld>
             <a:endParaRPr lang="de-CH"/>
           </a:p>
@@ -1828,7 +1833,7 @@
           <a:p>
             <a:fld id="{36E7A62E-909C-4F06-9250-BC95460A9284}" type="datetimeFigureOut">
               <a:rPr lang="de-CH" smtClean="0"/>
-              <a:t>29.09.2019</a:t>
+              <a:t>29.09.19</a:t>
             </a:fld>
             <a:endParaRPr lang="de-CH"/>
           </a:p>
@@ -1970,7 +1975,7 @@
           <a:p>
             <a:fld id="{36E7A62E-909C-4F06-9250-BC95460A9284}" type="datetimeFigureOut">
               <a:rPr lang="de-CH" smtClean="0"/>
-              <a:t>29.09.2019</a:t>
+              <a:t>29.09.19</a:t>
             </a:fld>
             <a:endParaRPr lang="de-CH"/>
           </a:p>
@@ -2083,7 +2088,7 @@
           <a:p>
             <a:fld id="{36E7A62E-909C-4F06-9250-BC95460A9284}" type="datetimeFigureOut">
               <a:rPr lang="de-CH" smtClean="0"/>
-              <a:t>29.09.2019</a:t>
+              <a:t>29.09.19</a:t>
             </a:fld>
             <a:endParaRPr lang="de-CH"/>
           </a:p>
@@ -2396,7 +2401,7 @@
           <a:p>
             <a:fld id="{36E7A62E-909C-4F06-9250-BC95460A9284}" type="datetimeFigureOut">
               <a:rPr lang="de-CH" smtClean="0"/>
-              <a:t>29.09.2019</a:t>
+              <a:t>29.09.19</a:t>
             </a:fld>
             <a:endParaRPr lang="de-CH"/>
           </a:p>
@@ -2685,7 +2690,7 @@
           <a:p>
             <a:fld id="{36E7A62E-909C-4F06-9250-BC95460A9284}" type="datetimeFigureOut">
               <a:rPr lang="de-CH" smtClean="0"/>
-              <a:t>29.09.2019</a:t>
+              <a:t>29.09.19</a:t>
             </a:fld>
             <a:endParaRPr lang="de-CH"/>
           </a:p>
@@ -2928,7 +2933,7 @@
           <a:p>
             <a:fld id="{36E7A62E-909C-4F06-9250-BC95460A9284}" type="datetimeFigureOut">
               <a:rPr lang="de-CH" smtClean="0"/>
-              <a:t>29.09.2019</a:t>
+              <a:t>29.09.19</a:t>
             </a:fld>
             <a:endParaRPr lang="de-CH"/>
           </a:p>
@@ -3689,13 +3694,13 @@
         <p:spPr/>
         <p:txBody>
           <a:bodyPr>
-            <a:normAutofit fontScale="90000"/>
+            <a:normAutofit/>
           </a:bodyPr>
           <a:lstStyle/>
           <a:p>
             <a:r>
               <a:rPr lang="de-CH" dirty="0"/>
-              <a:t>Journey (Stacey Matrix) http://www.agile-minds.com/when-to-use-waterfall-when-agile/</a:t>
+              <a:t>Journey (Stacey Matrix)</a:t>
             </a:r>
           </a:p>
         </p:txBody>
@@ -3736,6 +3741,90 @@
           </a:prstGeom>
         </p:spPr>
       </p:pic>
+      <p:sp>
+        <p:nvSpPr>
+          <p:cNvPr id="4" name="Textfeld 3">
+            <a:extLst>
+              <a:ext uri="{FF2B5EF4-FFF2-40B4-BE49-F238E27FC236}">
+                <a16:creationId xmlns:a16="http://schemas.microsoft.com/office/drawing/2014/main" id="{D492A90C-C361-754D-8B4E-5F72102FA755}"/>
+              </a:ext>
+            </a:extLst>
+          </p:cNvPr>
+          <p:cNvSpPr txBox="1"/>
+          <p:nvPr/>
+        </p:nvSpPr>
+        <p:spPr>
+          <a:xfrm>
+            <a:off x="3826808" y="5780600"/>
+            <a:ext cx="4917372" cy="307777"/>
+          </a:xfrm>
+          <a:prstGeom prst="rect">
+            <a:avLst/>
+          </a:prstGeom>
+          <a:noFill/>
+        </p:spPr>
+        <p:txBody>
+          <a:bodyPr wrap="none" rtlCol="0">
+            <a:spAutoFit/>
+          </a:bodyPr>
+          <a:lstStyle/>
+          <a:p>
+            <a:r>
+              <a:rPr lang="de-CH" sz="1400" i="1" dirty="0"/>
+              <a:t>http://</a:t>
+            </a:r>
+            <a:r>
+              <a:rPr lang="de-CH" sz="1400" i="1" dirty="0" err="1"/>
+              <a:t>www.agile-minds.com</a:t>
+            </a:r>
+            <a:r>
+              <a:rPr lang="de-CH" sz="1400" i="1" dirty="0"/>
+              <a:t>/</a:t>
+            </a:r>
+            <a:r>
+              <a:rPr lang="de-CH" sz="1400" i="1" dirty="0" err="1"/>
+              <a:t>when</a:t>
+            </a:r>
+            <a:r>
+              <a:rPr lang="de-CH" sz="1400" i="1" dirty="0"/>
+              <a:t>-</a:t>
+            </a:r>
+            <a:r>
+              <a:rPr lang="de-CH" sz="1400" i="1" dirty="0" err="1"/>
+              <a:t>to</a:t>
+            </a:r>
+            <a:r>
+              <a:rPr lang="de-CH" sz="1400" i="1" dirty="0"/>
+              <a:t>-</a:t>
+            </a:r>
+            <a:r>
+              <a:rPr lang="de-CH" sz="1400" i="1" dirty="0" err="1"/>
+              <a:t>use</a:t>
+            </a:r>
+            <a:r>
+              <a:rPr lang="de-CH" sz="1400" i="1" dirty="0"/>
+              <a:t>-</a:t>
+            </a:r>
+            <a:r>
+              <a:rPr lang="de-CH" sz="1400" i="1" dirty="0" err="1"/>
+              <a:t>waterfall</a:t>
+            </a:r>
+            <a:r>
+              <a:rPr lang="de-CH" sz="1400" i="1" dirty="0"/>
+              <a:t>-</a:t>
+            </a:r>
+            <a:r>
+              <a:rPr lang="de-CH" sz="1400" i="1" dirty="0" err="1"/>
+              <a:t>when</a:t>
+            </a:r>
+            <a:r>
+              <a:rPr lang="de-CH" sz="1400" i="1" dirty="0"/>
+              <a:t>-agile/</a:t>
+            </a:r>
+            <a:endParaRPr lang="de-DE" sz="1400" i="1" dirty="0"/>
+          </a:p>
+        </p:txBody>
+      </p:sp>
     </p:spTree>
     <p:extLst>
       <p:ext uri="{BB962C8B-B14F-4D97-AF65-F5344CB8AC3E}">

--- a/Pitch_Presi/Make Programming Sexy.pptx
+++ b/Pitch_Presi/Make Programming Sexy.pptx
@@ -8,7 +8,8 @@
     <p:sldId id="256" r:id="rId2"/>
     <p:sldId id="257" r:id="rId3"/>
     <p:sldId id="258" r:id="rId4"/>
-    <p:sldId id="259" r:id="rId5"/>
+    <p:sldId id="260" r:id="rId5"/>
+    <p:sldId id="259" r:id="rId6"/>
   </p:sldIdLst>
   <p:sldSz cx="12192000" cy="6858000"/>
   <p:notesSz cx="6858000" cy="9144000"/>
@@ -264,7 +265,7 @@
           <a:p>
             <a:fld id="{36E7A62E-909C-4F06-9250-BC95460A9284}" type="datetimeFigureOut">
               <a:rPr lang="de-CH" smtClean="0"/>
-              <a:t>29.09.19</a:t>
+              <a:t>30.09.19</a:t>
             </a:fld>
             <a:endParaRPr lang="de-CH"/>
           </a:p>
@@ -318,7 +319,7 @@
           <a:p>
             <a:fld id="{513B93E7-8663-4C95-B004-FC3D2D039D0B}" type="slidenum">
               <a:rPr lang="de-CH" smtClean="0"/>
-              <a:t>‹Nr.›</a:t>
+              <a:t>‹#›</a:t>
             </a:fld>
             <a:endParaRPr lang="de-CH"/>
           </a:p>
@@ -464,7 +465,7 @@
           <a:p>
             <a:fld id="{36E7A62E-909C-4F06-9250-BC95460A9284}" type="datetimeFigureOut">
               <a:rPr lang="de-CH" smtClean="0"/>
-              <a:t>29.09.19</a:t>
+              <a:t>30.09.19</a:t>
             </a:fld>
             <a:endParaRPr lang="de-CH"/>
           </a:p>
@@ -518,7 +519,7 @@
           <a:p>
             <a:fld id="{513B93E7-8663-4C95-B004-FC3D2D039D0B}" type="slidenum">
               <a:rPr lang="de-CH" smtClean="0"/>
-              <a:t>‹Nr.›</a:t>
+              <a:t>‹#›</a:t>
             </a:fld>
             <a:endParaRPr lang="de-CH"/>
           </a:p>
@@ -674,7 +675,7 @@
           <a:p>
             <a:fld id="{36E7A62E-909C-4F06-9250-BC95460A9284}" type="datetimeFigureOut">
               <a:rPr lang="de-CH" smtClean="0"/>
-              <a:t>29.09.19</a:t>
+              <a:t>30.09.19</a:t>
             </a:fld>
             <a:endParaRPr lang="de-CH"/>
           </a:p>
@@ -728,7 +729,7 @@
           <a:p>
             <a:fld id="{513B93E7-8663-4C95-B004-FC3D2D039D0B}" type="slidenum">
               <a:rPr lang="de-CH" smtClean="0"/>
-              <a:t>‹Nr.›</a:t>
+              <a:t>‹#›</a:t>
             </a:fld>
             <a:endParaRPr lang="de-CH"/>
           </a:p>
@@ -874,7 +875,7 @@
           <a:p>
             <a:fld id="{36E7A62E-909C-4F06-9250-BC95460A9284}" type="datetimeFigureOut">
               <a:rPr lang="de-CH" smtClean="0"/>
-              <a:t>29.09.19</a:t>
+              <a:t>30.09.19</a:t>
             </a:fld>
             <a:endParaRPr lang="de-CH"/>
           </a:p>
@@ -928,7 +929,7 @@
           <a:p>
             <a:fld id="{513B93E7-8663-4C95-B004-FC3D2D039D0B}" type="slidenum">
               <a:rPr lang="de-CH" smtClean="0"/>
-              <a:t>‹Nr.›</a:t>
+              <a:t>‹#›</a:t>
             </a:fld>
             <a:endParaRPr lang="de-CH"/>
           </a:p>
@@ -1150,7 +1151,7 @@
           <a:p>
             <a:fld id="{36E7A62E-909C-4F06-9250-BC95460A9284}" type="datetimeFigureOut">
               <a:rPr lang="de-CH" smtClean="0"/>
-              <a:t>29.09.19</a:t>
+              <a:t>30.09.19</a:t>
             </a:fld>
             <a:endParaRPr lang="de-CH"/>
           </a:p>
@@ -1204,7 +1205,7 @@
           <a:p>
             <a:fld id="{513B93E7-8663-4C95-B004-FC3D2D039D0B}" type="slidenum">
               <a:rPr lang="de-CH" smtClean="0"/>
-              <a:t>‹Nr.›</a:t>
+              <a:t>‹#›</a:t>
             </a:fld>
             <a:endParaRPr lang="de-CH"/>
           </a:p>
@@ -1418,7 +1419,7 @@
           <a:p>
             <a:fld id="{36E7A62E-909C-4F06-9250-BC95460A9284}" type="datetimeFigureOut">
               <a:rPr lang="de-CH" smtClean="0"/>
-              <a:t>29.09.19</a:t>
+              <a:t>30.09.19</a:t>
             </a:fld>
             <a:endParaRPr lang="de-CH"/>
           </a:p>
@@ -1472,7 +1473,7 @@
           <a:p>
             <a:fld id="{513B93E7-8663-4C95-B004-FC3D2D039D0B}" type="slidenum">
               <a:rPr lang="de-CH" smtClean="0"/>
-              <a:t>‹Nr.›</a:t>
+              <a:t>‹#›</a:t>
             </a:fld>
             <a:endParaRPr lang="de-CH"/>
           </a:p>
@@ -1833,7 +1834,7 @@
           <a:p>
             <a:fld id="{36E7A62E-909C-4F06-9250-BC95460A9284}" type="datetimeFigureOut">
               <a:rPr lang="de-CH" smtClean="0"/>
-              <a:t>29.09.19</a:t>
+              <a:t>30.09.19</a:t>
             </a:fld>
             <a:endParaRPr lang="de-CH"/>
           </a:p>
@@ -1887,7 +1888,7 @@
           <a:p>
             <a:fld id="{513B93E7-8663-4C95-B004-FC3D2D039D0B}" type="slidenum">
               <a:rPr lang="de-CH" smtClean="0"/>
-              <a:t>‹Nr.›</a:t>
+              <a:t>‹#›</a:t>
             </a:fld>
             <a:endParaRPr lang="de-CH"/>
           </a:p>
@@ -1975,7 +1976,7 @@
           <a:p>
             <a:fld id="{36E7A62E-909C-4F06-9250-BC95460A9284}" type="datetimeFigureOut">
               <a:rPr lang="de-CH" smtClean="0"/>
-              <a:t>29.09.19</a:t>
+              <a:t>30.09.19</a:t>
             </a:fld>
             <a:endParaRPr lang="de-CH"/>
           </a:p>
@@ -2029,7 +2030,7 @@
           <a:p>
             <a:fld id="{513B93E7-8663-4C95-B004-FC3D2D039D0B}" type="slidenum">
               <a:rPr lang="de-CH" smtClean="0"/>
-              <a:t>‹Nr.›</a:t>
+              <a:t>‹#›</a:t>
             </a:fld>
             <a:endParaRPr lang="de-CH"/>
           </a:p>
@@ -2088,7 +2089,7 @@
           <a:p>
             <a:fld id="{36E7A62E-909C-4F06-9250-BC95460A9284}" type="datetimeFigureOut">
               <a:rPr lang="de-CH" smtClean="0"/>
-              <a:t>29.09.19</a:t>
+              <a:t>30.09.19</a:t>
             </a:fld>
             <a:endParaRPr lang="de-CH"/>
           </a:p>
@@ -2142,7 +2143,7 @@
           <a:p>
             <a:fld id="{513B93E7-8663-4C95-B004-FC3D2D039D0B}" type="slidenum">
               <a:rPr lang="de-CH" smtClean="0"/>
-              <a:t>‹Nr.›</a:t>
+              <a:t>‹#›</a:t>
             </a:fld>
             <a:endParaRPr lang="de-CH"/>
           </a:p>
@@ -2401,7 +2402,7 @@
           <a:p>
             <a:fld id="{36E7A62E-909C-4F06-9250-BC95460A9284}" type="datetimeFigureOut">
               <a:rPr lang="de-CH" smtClean="0"/>
-              <a:t>29.09.19</a:t>
+              <a:t>30.09.19</a:t>
             </a:fld>
             <a:endParaRPr lang="de-CH"/>
           </a:p>
@@ -2455,7 +2456,7 @@
           <a:p>
             <a:fld id="{513B93E7-8663-4C95-B004-FC3D2D039D0B}" type="slidenum">
               <a:rPr lang="de-CH" smtClean="0"/>
-              <a:t>‹Nr.›</a:t>
+              <a:t>‹#›</a:t>
             </a:fld>
             <a:endParaRPr lang="de-CH"/>
           </a:p>
@@ -2690,7 +2691,7 @@
           <a:p>
             <a:fld id="{36E7A62E-909C-4F06-9250-BC95460A9284}" type="datetimeFigureOut">
               <a:rPr lang="de-CH" smtClean="0"/>
-              <a:t>29.09.19</a:t>
+              <a:t>30.09.19</a:t>
             </a:fld>
             <a:endParaRPr lang="de-CH"/>
           </a:p>
@@ -2744,7 +2745,7 @@
           <a:p>
             <a:fld id="{513B93E7-8663-4C95-B004-FC3D2D039D0B}" type="slidenum">
               <a:rPr lang="de-CH" smtClean="0"/>
-              <a:t>‹Nr.›</a:t>
+              <a:t>‹#›</a:t>
             </a:fld>
             <a:endParaRPr lang="de-CH"/>
           </a:p>
@@ -2933,7 +2934,7 @@
           <a:p>
             <a:fld id="{36E7A62E-909C-4F06-9250-BC95460A9284}" type="datetimeFigureOut">
               <a:rPr lang="de-CH" smtClean="0"/>
-              <a:t>29.09.19</a:t>
+              <a:t>30.09.19</a:t>
             </a:fld>
             <a:endParaRPr lang="de-CH"/>
           </a:p>
@@ -3023,7 +3024,7 @@
           <a:p>
             <a:fld id="{513B93E7-8663-4C95-B004-FC3D2D039D0B}" type="slidenum">
               <a:rPr lang="de-CH" smtClean="0"/>
-              <a:t>‹Nr.›</a:t>
+              <a:t>‹#›</a:t>
             </a:fld>
             <a:endParaRPr lang="de-CH"/>
           </a:p>
@@ -3627,8 +3628,12 @@
           <a:lstStyle/>
           <a:p>
             <a:r>
+              <a:rPr lang="de-CH" dirty="0"/>
+              <a:t>Model </a:t>
+            </a:r>
+            <a:r>
               <a:rPr lang="de-CH" dirty="0" err="1"/>
-              <a:t>Make</a:t>
+              <a:t>based</a:t>
             </a:r>
             <a:r>
               <a:rPr lang="de-CH" dirty="0"/>
@@ -3636,11 +3641,34 @@
             </a:r>
             <a:r>
               <a:rPr lang="de-CH" dirty="0" err="1"/>
-              <a:t>Programming</a:t>
+              <a:t>programming</a:t>
             </a:r>
             <a:r>
               <a:rPr lang="de-CH" dirty="0"/>
-              <a:t> Sexy</a:t>
+              <a:t> </a:t>
+            </a:r>
+            <a:r>
+              <a:rPr lang="de-CH" dirty="0" err="1"/>
+              <a:t>approach</a:t>
+            </a:r>
+            <a:endParaRPr lang="de-CH" dirty="0"/>
+          </a:p>
+          <a:p>
+            <a:r>
+              <a:rPr lang="de-CH" dirty="0"/>
+              <a:t>NAO Robot</a:t>
+            </a:r>
+          </a:p>
+          <a:p>
+            <a:r>
+              <a:rPr lang="de-CH" dirty="0"/>
+              <a:t>Java Animation</a:t>
+            </a:r>
+          </a:p>
+          <a:p>
+            <a:r>
+              <a:rPr lang="de-CH" dirty="0"/>
+              <a:t>Learning Journey (Big Picture)</a:t>
             </a:r>
           </a:p>
         </p:txBody>
@@ -3659,6 +3687,93 @@
 </file>
 
 <file path=ppt/slides/slide4.xml><?xml version="1.0" encoding="utf-8"?>
+<p:sld xmlns:a="http://schemas.openxmlformats.org/drawingml/2006/main" xmlns:r="http://schemas.openxmlformats.org/officeDocument/2006/relationships" xmlns:p="http://schemas.openxmlformats.org/presentationml/2006/main">
+  <p:cSld>
+    <p:spTree>
+      <p:nvGrpSpPr>
+        <p:cNvPr id="1" name=""/>
+        <p:cNvGrpSpPr/>
+        <p:nvPr/>
+      </p:nvGrpSpPr>
+      <p:grpSpPr>
+        <a:xfrm>
+          <a:off x="0" y="0"/>
+          <a:ext cx="0" cy="0"/>
+          <a:chOff x="0" y="0"/>
+          <a:chExt cx="0" cy="0"/>
+        </a:xfrm>
+      </p:grpSpPr>
+      <p:sp>
+        <p:nvSpPr>
+          <p:cNvPr id="2" name="Title 1">
+            <a:extLst>
+              <a:ext uri="{FF2B5EF4-FFF2-40B4-BE49-F238E27FC236}">
+                <a16:creationId xmlns:a16="http://schemas.microsoft.com/office/drawing/2014/main" id="{73BD76B0-804B-BA49-B5F8-112DC72EF510}"/>
+              </a:ext>
+            </a:extLst>
+          </p:cNvPr>
+          <p:cNvSpPr>
+            <a:spLocks noGrp="1"/>
+          </p:cNvSpPr>
+          <p:nvPr>
+            <p:ph type="title"/>
+          </p:nvPr>
+        </p:nvSpPr>
+        <p:spPr/>
+        <p:txBody>
+          <a:bodyPr/>
+          <a:lstStyle/>
+          <a:p>
+            <a:r>
+              <a:rPr lang="en-US" dirty="0"/>
+              <a:t>Approach</a:t>
+            </a:r>
+          </a:p>
+        </p:txBody>
+      </p:sp>
+      <p:sp>
+        <p:nvSpPr>
+          <p:cNvPr id="3" name="Content Placeholder 2">
+            <a:extLst>
+              <a:ext uri="{FF2B5EF4-FFF2-40B4-BE49-F238E27FC236}">
+                <a16:creationId xmlns:a16="http://schemas.microsoft.com/office/drawing/2014/main" id="{D1B57AE7-5007-FC46-9CB6-98808F63A516}"/>
+              </a:ext>
+            </a:extLst>
+          </p:cNvPr>
+          <p:cNvSpPr>
+            <a:spLocks noGrp="1"/>
+          </p:cNvSpPr>
+          <p:nvPr>
+            <p:ph idx="1"/>
+          </p:nvPr>
+        </p:nvSpPr>
+        <p:spPr/>
+        <p:txBody>
+          <a:bodyPr/>
+          <a:lstStyle/>
+          <a:p>
+            <a:r>
+              <a:rPr lang="en-US" dirty="0" err="1"/>
+              <a:t>Agil</a:t>
+            </a:r>
+            <a:endParaRPr lang="en-US" dirty="0"/>
+          </a:p>
+        </p:txBody>
+      </p:sp>
+    </p:spTree>
+    <p:extLst>
+      <p:ext uri="{BB962C8B-B14F-4D97-AF65-F5344CB8AC3E}">
+        <p14:creationId xmlns:p14="http://schemas.microsoft.com/office/powerpoint/2010/main" val="4222119347"/>
+      </p:ext>
+    </p:extLst>
+  </p:cSld>
+  <p:clrMapOvr>
+    <a:masterClrMapping/>
+  </p:clrMapOvr>
+</p:sld>
+</file>
+
+<file path=ppt/slides/slide5.xml><?xml version="1.0" encoding="utf-8"?>
 <p:sld xmlns:a="http://schemas.openxmlformats.org/drawingml/2006/main" xmlns:r="http://schemas.openxmlformats.org/officeDocument/2006/relationships" xmlns:p="http://schemas.openxmlformats.org/presentationml/2006/main">
   <p:cSld>
     <p:spTree>

--- a/Pitch_Presi/Make Programming Sexy.pptx
+++ b/Pitch_Presi/Make Programming Sexy.pptx
@@ -265,7 +265,7 @@
           <a:p>
             <a:fld id="{36E7A62E-909C-4F06-9250-BC95460A9284}" type="datetimeFigureOut">
               <a:rPr lang="de-CH" smtClean="0"/>
-              <a:t>30.09.19</a:t>
+              <a:t>02.10.19</a:t>
             </a:fld>
             <a:endParaRPr lang="de-CH"/>
           </a:p>
@@ -465,7 +465,7 @@
           <a:p>
             <a:fld id="{36E7A62E-909C-4F06-9250-BC95460A9284}" type="datetimeFigureOut">
               <a:rPr lang="de-CH" smtClean="0"/>
-              <a:t>30.09.19</a:t>
+              <a:t>02.10.19</a:t>
             </a:fld>
             <a:endParaRPr lang="de-CH"/>
           </a:p>
@@ -675,7 +675,7 @@
           <a:p>
             <a:fld id="{36E7A62E-909C-4F06-9250-BC95460A9284}" type="datetimeFigureOut">
               <a:rPr lang="de-CH" smtClean="0"/>
-              <a:t>30.09.19</a:t>
+              <a:t>02.10.19</a:t>
             </a:fld>
             <a:endParaRPr lang="de-CH"/>
           </a:p>
@@ -875,7 +875,7 @@
           <a:p>
             <a:fld id="{36E7A62E-909C-4F06-9250-BC95460A9284}" type="datetimeFigureOut">
               <a:rPr lang="de-CH" smtClean="0"/>
-              <a:t>30.09.19</a:t>
+              <a:t>02.10.19</a:t>
             </a:fld>
             <a:endParaRPr lang="de-CH"/>
           </a:p>
@@ -1151,7 +1151,7 @@
           <a:p>
             <a:fld id="{36E7A62E-909C-4F06-9250-BC95460A9284}" type="datetimeFigureOut">
               <a:rPr lang="de-CH" smtClean="0"/>
-              <a:t>30.09.19</a:t>
+              <a:t>02.10.19</a:t>
             </a:fld>
             <a:endParaRPr lang="de-CH"/>
           </a:p>
@@ -1419,7 +1419,7 @@
           <a:p>
             <a:fld id="{36E7A62E-909C-4F06-9250-BC95460A9284}" type="datetimeFigureOut">
               <a:rPr lang="de-CH" smtClean="0"/>
-              <a:t>30.09.19</a:t>
+              <a:t>02.10.19</a:t>
             </a:fld>
             <a:endParaRPr lang="de-CH"/>
           </a:p>
@@ -1834,7 +1834,7 @@
           <a:p>
             <a:fld id="{36E7A62E-909C-4F06-9250-BC95460A9284}" type="datetimeFigureOut">
               <a:rPr lang="de-CH" smtClean="0"/>
-              <a:t>30.09.19</a:t>
+              <a:t>02.10.19</a:t>
             </a:fld>
             <a:endParaRPr lang="de-CH"/>
           </a:p>
@@ -1976,7 +1976,7 @@
           <a:p>
             <a:fld id="{36E7A62E-909C-4F06-9250-BC95460A9284}" type="datetimeFigureOut">
               <a:rPr lang="de-CH" smtClean="0"/>
-              <a:t>30.09.19</a:t>
+              <a:t>02.10.19</a:t>
             </a:fld>
             <a:endParaRPr lang="de-CH"/>
           </a:p>
@@ -2089,7 +2089,7 @@
           <a:p>
             <a:fld id="{36E7A62E-909C-4F06-9250-BC95460A9284}" type="datetimeFigureOut">
               <a:rPr lang="de-CH" smtClean="0"/>
-              <a:t>30.09.19</a:t>
+              <a:t>02.10.19</a:t>
             </a:fld>
             <a:endParaRPr lang="de-CH"/>
           </a:p>
@@ -2402,7 +2402,7 @@
           <a:p>
             <a:fld id="{36E7A62E-909C-4F06-9250-BC95460A9284}" type="datetimeFigureOut">
               <a:rPr lang="de-CH" smtClean="0"/>
-              <a:t>30.09.19</a:t>
+              <a:t>02.10.19</a:t>
             </a:fld>
             <a:endParaRPr lang="de-CH"/>
           </a:p>
@@ -2691,7 +2691,7 @@
           <a:p>
             <a:fld id="{36E7A62E-909C-4F06-9250-BC95460A9284}" type="datetimeFigureOut">
               <a:rPr lang="de-CH" smtClean="0"/>
-              <a:t>30.09.19</a:t>
+              <a:t>02.10.19</a:t>
             </a:fld>
             <a:endParaRPr lang="de-CH"/>
           </a:p>
@@ -2934,7 +2934,7 @@
           <a:p>
             <a:fld id="{36E7A62E-909C-4F06-9250-BC95460A9284}" type="datetimeFigureOut">
               <a:rPr lang="de-CH" smtClean="0"/>
-              <a:t>30.09.19</a:t>
+              <a:t>02.10.19</a:t>
             </a:fld>
             <a:endParaRPr lang="de-CH"/>
           </a:p>
@@ -3367,9 +3367,16 @@
             <p:ph type="ctrTitle"/>
           </p:nvPr>
         </p:nvSpPr>
-        <p:spPr/>
-        <p:txBody>
-          <a:bodyPr/>
+        <p:spPr>
+          <a:xfrm>
+            <a:off x="1524000" y="1122362"/>
+            <a:ext cx="9144000" cy="2913609"/>
+          </a:xfrm>
+        </p:spPr>
+        <p:txBody>
+          <a:bodyPr>
+            <a:normAutofit fontScale="90000"/>
+          </a:bodyPr>
           <a:lstStyle/>
           <a:p>
             <a:r>
@@ -3388,6 +3395,39 @@
               <a:rPr lang="de-CH" dirty="0"/>
               <a:t> Sexy</a:t>
             </a:r>
+            <a:br>
+              <a:rPr lang="de-CH" dirty="0"/>
+            </a:br>
+            <a:r>
+              <a:rPr lang="de-CH" dirty="0"/>
+              <a:t>oder</a:t>
+            </a:r>
+            <a:br>
+              <a:rPr lang="de-CH" dirty="0"/>
+            </a:br>
+            <a:r>
+              <a:rPr lang="de-CH" strike="sngStrike" dirty="0" err="1"/>
+              <a:t>print</a:t>
+            </a:r>
+            <a:r>
+              <a:rPr lang="de-CH" strike="sngStrike" dirty="0"/>
+              <a:t>(«</a:t>
+            </a:r>
+            <a:r>
+              <a:rPr lang="de-CH" strike="sngStrike" dirty="0" err="1"/>
+              <a:t>Hello</a:t>
+            </a:r>
+            <a:r>
+              <a:rPr lang="de-CH" strike="sngStrike" dirty="0"/>
+              <a:t>, World!») </a:t>
+            </a:r>
+            <a:br>
+              <a:rPr lang="de-CH" strike="sngStrike" dirty="0"/>
+            </a:br>
+            <a:br>
+              <a:rPr lang="de-CH" dirty="0"/>
+            </a:br>
+            <a:endParaRPr lang="de-CH" strike="sngStrike" dirty="0"/>
           </a:p>
         </p:txBody>
       </p:sp>
@@ -3407,7 +3447,12 @@
             <p:ph type="subTitle" idx="1"/>
           </p:nvPr>
         </p:nvSpPr>
-        <p:spPr/>
+        <p:spPr>
+          <a:xfrm>
+            <a:off x="1524000" y="4674093"/>
+            <a:ext cx="9144000" cy="1655762"/>
+          </a:xfrm>
+        </p:spPr>
         <p:txBody>
           <a:bodyPr/>
           <a:lstStyle/>
